--- a/adaptive-evolution-analysis/manuscript_figures/Supplement_Website.pptx
+++ b/adaptive-evolution-analysis/manuscript_figures/Supplement_Website.pptx
@@ -104,6 +104,11 @@
       </a:defRPr>
     </a:lvl9pPr>
   </p:defaultTextStyle>
+  <p:extLst>
+    <p:ext uri="{EFAFB233-063F-42B5-8137-9DF3F51BA10A}">
+      <p15:sldGuideLst xmlns:p15="http://schemas.microsoft.com/office/powerpoint/2012/main"/>
+    </p:ext>
+  </p:extLst>
 </p:presentation>
 </file>
 
@@ -2970,36 +2975,6 @@
       </p:grpSpPr>
       <p:pic>
         <p:nvPicPr>
-          <p:cNvPr id="6" name="Picture 5">
-            <a:extLst>
-              <a:ext uri="{FF2B5EF4-FFF2-40B4-BE49-F238E27FC236}">
-                <a16:creationId xmlns:a16="http://schemas.microsoft.com/office/drawing/2014/main" id="{EF075528-36B0-F792-9C84-AFC636BD873C}"/>
-              </a:ext>
-            </a:extLst>
-          </p:cNvPr>
-          <p:cNvPicPr>
-            <a:picLocks noChangeAspect="1"/>
-          </p:cNvPicPr>
-          <p:nvPr/>
-        </p:nvPicPr>
-        <p:blipFill>
-          <a:blip r:embed="rId2"/>
-          <a:stretch>
-            <a:fillRect/>
-          </a:stretch>
-        </p:blipFill>
-        <p:spPr>
-          <a:xfrm>
-            <a:off x="5207461" y="2425845"/>
-            <a:ext cx="2989487" cy="2106807"/>
-          </a:xfrm>
-          <a:prstGeom prst="rect">
-            <a:avLst/>
-          </a:prstGeom>
-        </p:spPr>
-      </p:pic>
-      <p:pic>
-        <p:nvPicPr>
           <p:cNvPr id="7" name="Picture 6">
             <a:extLst>
               <a:ext uri="{FF2B5EF4-FFF2-40B4-BE49-F238E27FC236}">
@@ -3013,7 +2988,7 @@
           <p:nvPr/>
         </p:nvPicPr>
         <p:blipFill>
-          <a:blip r:embed="rId3"/>
+          <a:blip r:embed="rId2"/>
           <a:stretch>
             <a:fillRect/>
           </a:stretch>
@@ -3043,7 +3018,7 @@
           <p:nvPr/>
         </p:nvPicPr>
         <p:blipFill>
-          <a:blip r:embed="rId4"/>
+          <a:blip r:embed="rId3"/>
           <a:stretch>
             <a:fillRect/>
           </a:stretch>
@@ -3176,6 +3151,36 @@
           </a:p>
         </p:txBody>
       </p:sp>
+      <p:pic>
+        <p:nvPicPr>
+          <p:cNvPr id="3" name="Picture 2">
+            <a:extLst>
+              <a:ext uri="{FF2B5EF4-FFF2-40B4-BE49-F238E27FC236}">
+                <a16:creationId xmlns:a16="http://schemas.microsoft.com/office/drawing/2014/main" id="{BF1E3B31-3D9B-B03A-42C5-3F8F4B7FA179}"/>
+              </a:ext>
+            </a:extLst>
+          </p:cNvPr>
+          <p:cNvPicPr>
+            <a:picLocks noChangeAspect="1"/>
+          </p:cNvPicPr>
+          <p:nvPr/>
+        </p:nvPicPr>
+        <p:blipFill>
+          <a:blip r:embed="rId4"/>
+          <a:stretch>
+            <a:fillRect/>
+          </a:stretch>
+        </p:blipFill>
+        <p:spPr>
+          <a:xfrm>
+            <a:off x="5177381" y="2294101"/>
+            <a:ext cx="3000905" cy="2274246"/>
+          </a:xfrm>
+          <a:prstGeom prst="rect">
+            <a:avLst/>
+          </a:prstGeom>
+        </p:spPr>
+      </p:pic>
     </p:spTree>
     <p:extLst>
       <p:ext uri="{BB962C8B-B14F-4D97-AF65-F5344CB8AC3E}">
